--- a/presentation/240718.pptx
+++ b/presentation/240718.pptx
@@ -5,11 +5,12 @@
     <p:sldMasterId id="2147483648" r:id="rId1"/>
   </p:sldMasterIdLst>
   <p:notesMasterIdLst>
-    <p:notesMasterId r:id="rId4"/>
+    <p:notesMasterId r:id="rId5"/>
   </p:notesMasterIdLst>
   <p:sldIdLst>
     <p:sldId id="1505" r:id="rId2"/>
     <p:sldId id="1506" r:id="rId3"/>
+    <p:sldId id="1507" r:id="rId4"/>
   </p:sldIdLst>
   <p:sldSz cx="12192000" cy="6858000"/>
   <p:notesSz cx="6858000" cy="9144000"/>
@@ -198,7 +199,7 @@
           <a:p>
             <a:fld id="{5E75EF4A-3EBB-E84A-B283-FE0B0D208C79}" type="datetimeFigureOut">
               <a:rPr lang="en-US" smtClean="0"/>
-              <a:t>7/17/24</a:t>
+              <a:t>7/18/2024</a:t>
             </a:fld>
             <a:endParaRPr lang="en-US"/>
           </a:p>
@@ -696,7 +697,7 @@
           <a:p>
             <a:fld id="{27EF1FD6-E52C-674B-8BA1-BB2FBDB78E96}" type="datetimeFigureOut">
               <a:rPr lang="en-US" smtClean="0"/>
-              <a:t>7/17/24</a:t>
+              <a:t>7/18/2024</a:t>
             </a:fld>
             <a:endParaRPr lang="en-US"/>
           </a:p>
@@ -894,7 +895,7 @@
           <a:p>
             <a:fld id="{27EF1FD6-E52C-674B-8BA1-BB2FBDB78E96}" type="datetimeFigureOut">
               <a:rPr lang="en-US" smtClean="0"/>
-              <a:t>7/17/24</a:t>
+              <a:t>7/18/2024</a:t>
             </a:fld>
             <a:endParaRPr lang="en-US"/>
           </a:p>
@@ -1102,7 +1103,7 @@
           <a:p>
             <a:fld id="{27EF1FD6-E52C-674B-8BA1-BB2FBDB78E96}" type="datetimeFigureOut">
               <a:rPr lang="en-US" smtClean="0"/>
-              <a:t>7/17/24</a:t>
+              <a:t>7/18/2024</a:t>
             </a:fld>
             <a:endParaRPr lang="en-US"/>
           </a:p>
@@ -1602,7 +1603,7 @@
           <a:p>
             <a:fld id="{27EF1FD6-E52C-674B-8BA1-BB2FBDB78E96}" type="datetimeFigureOut">
               <a:rPr lang="en-US" smtClean="0"/>
-              <a:t>7/17/24</a:t>
+              <a:t>7/18/2024</a:t>
             </a:fld>
             <a:endParaRPr lang="en-US"/>
           </a:p>
@@ -1877,7 +1878,7 @@
           <a:p>
             <a:fld id="{27EF1FD6-E52C-674B-8BA1-BB2FBDB78E96}" type="datetimeFigureOut">
               <a:rPr lang="en-US" smtClean="0"/>
-              <a:t>7/17/24</a:t>
+              <a:t>7/18/2024</a:t>
             </a:fld>
             <a:endParaRPr lang="en-US"/>
           </a:p>
@@ -2142,7 +2143,7 @@
           <a:p>
             <a:fld id="{27EF1FD6-E52C-674B-8BA1-BB2FBDB78E96}" type="datetimeFigureOut">
               <a:rPr lang="en-US" smtClean="0"/>
-              <a:t>7/17/24</a:t>
+              <a:t>7/18/2024</a:t>
             </a:fld>
             <a:endParaRPr lang="en-US"/>
           </a:p>
@@ -2554,7 +2555,7 @@
           <a:p>
             <a:fld id="{27EF1FD6-E52C-674B-8BA1-BB2FBDB78E96}" type="datetimeFigureOut">
               <a:rPr lang="en-US" smtClean="0"/>
-              <a:t>7/17/24</a:t>
+              <a:t>7/18/2024</a:t>
             </a:fld>
             <a:endParaRPr lang="en-US"/>
           </a:p>
@@ -2695,7 +2696,7 @@
           <a:p>
             <a:fld id="{27EF1FD6-E52C-674B-8BA1-BB2FBDB78E96}" type="datetimeFigureOut">
               <a:rPr lang="en-US" smtClean="0"/>
-              <a:t>7/17/24</a:t>
+              <a:t>7/18/2024</a:t>
             </a:fld>
             <a:endParaRPr lang="en-US"/>
           </a:p>
@@ -2808,7 +2809,7 @@
           <a:p>
             <a:fld id="{27EF1FD6-E52C-674B-8BA1-BB2FBDB78E96}" type="datetimeFigureOut">
               <a:rPr lang="en-US" smtClean="0"/>
-              <a:t>7/17/24</a:t>
+              <a:t>7/18/2024</a:t>
             </a:fld>
             <a:endParaRPr lang="en-US"/>
           </a:p>
@@ -3119,7 +3120,7 @@
           <a:p>
             <a:fld id="{27EF1FD6-E52C-674B-8BA1-BB2FBDB78E96}" type="datetimeFigureOut">
               <a:rPr lang="en-US" smtClean="0"/>
-              <a:t>7/17/24</a:t>
+              <a:t>7/18/2024</a:t>
             </a:fld>
             <a:endParaRPr lang="en-US"/>
           </a:p>
@@ -3407,7 +3408,7 @@
           <a:p>
             <a:fld id="{27EF1FD6-E52C-674B-8BA1-BB2FBDB78E96}" type="datetimeFigureOut">
               <a:rPr lang="en-US" smtClean="0"/>
-              <a:t>7/17/24</a:t>
+              <a:t>7/18/2024</a:t>
             </a:fld>
             <a:endParaRPr lang="en-US"/>
           </a:p>
@@ -3648,7 +3649,7 @@
           <a:p>
             <a:fld id="{27EF1FD6-E52C-674B-8BA1-BB2FBDB78E96}" type="datetimeFigureOut">
               <a:rPr lang="en-US" smtClean="0"/>
-              <a:t>7/17/24</a:t>
+              <a:t>7/18/2024</a:t>
             </a:fld>
             <a:endParaRPr lang="en-US"/>
           </a:p>
@@ -4551,7 +4552,7 @@
           </a:ln>
           <a:extLst>
             <a:ext uri="{C572A759-6A51-4108-AA02-DFA0A04FC94B}">
-              <ma14:wrappingTextBoxFlag xmlns:ma14="http://schemas.microsoft.com/office/mac/drawingml/2011/main" xmlns:a14="http://schemas.microsoft.com/office/drawing/2010/main" xmlns:m="http://schemas.openxmlformats.org/officeDocument/2006/math" xmlns="" val="1"/>
+              <ma14:wrappingTextBoxFlag xmlns="" xmlns:m="http://schemas.openxmlformats.org/officeDocument/2006/math" xmlns:a14="http://schemas.microsoft.com/office/drawing/2010/main" xmlns:ma14="http://schemas.microsoft.com/office/mac/drawingml/2011/main" val="1"/>
             </a:ext>
           </a:extLst>
         </p:spPr>
@@ -6718,7 +6719,7 @@
         <p:spPr>
           <a:xfrm>
             <a:off x="6227182" y="1589505"/>
-            <a:ext cx="2459618" cy="276999"/>
+            <a:ext cx="5096182" cy="1723549"/>
           </a:xfrm>
           <a:prstGeom prst="rect">
             <a:avLst/>
@@ -6743,16 +6744,190 @@
               <a:t>Apply </a:t>
             </a:r>
             <a:r>
-              <a:rPr lang="en-US" sz="1200">
+              <a:rPr lang="en-US" sz="1200" dirty="0">
+                <a:solidFill>
+                  <a:srgbClr val="0432FF"/>
+                </a:solidFill>
                 <a:latin typeface="Arial" panose="020B0604020202020204" pitchFamily="34" charset="0"/>
                 <a:cs typeface="Arial" panose="020B0604020202020204" pitchFamily="34" charset="0"/>
               </a:rPr>
-              <a:t>other functions </a:t>
-            </a:r>
-            <a:endParaRPr lang="en-US" sz="1200" dirty="0">
+              <a:t>Exponential</a:t>
+            </a:r>
+            <a:r>
+              <a:rPr lang="ko-KR" altLang="en-US" sz="1200" dirty="0">
+                <a:solidFill>
+                  <a:srgbClr val="0432FF"/>
+                </a:solidFill>
+                <a:latin typeface="Arial" panose="020B0604020202020204" pitchFamily="34" charset="0"/>
+                <a:cs typeface="Arial" panose="020B0604020202020204" pitchFamily="34" charset="0"/>
+              </a:rPr>
+              <a:t> </a:t>
+            </a:r>
+            <a:r>
+              <a:rPr lang="en-US" altLang="ko-KR" sz="1200" dirty="0">
+                <a:solidFill>
+                  <a:srgbClr val="0432FF"/>
+                </a:solidFill>
+                <a:latin typeface="Arial" panose="020B0604020202020204" pitchFamily="34" charset="0"/>
+                <a:cs typeface="Arial" panose="020B0604020202020204" pitchFamily="34" charset="0"/>
+              </a:rPr>
+              <a:t>and</a:t>
+            </a:r>
+            <a:r>
+              <a:rPr lang="ko-KR" altLang="en-US" sz="1200" dirty="0">
+                <a:solidFill>
+                  <a:srgbClr val="0432FF"/>
+                </a:solidFill>
+                <a:latin typeface="Arial" panose="020B0604020202020204" pitchFamily="34" charset="0"/>
+                <a:cs typeface="Arial" panose="020B0604020202020204" pitchFamily="34" charset="0"/>
+              </a:rPr>
+              <a:t> </a:t>
+            </a:r>
+            <a:r>
+              <a:rPr lang="en-US" altLang="ko-KR" sz="1200" dirty="0">
+                <a:solidFill>
+                  <a:srgbClr val="0432FF"/>
+                </a:solidFill>
+                <a:latin typeface="Arial" panose="020B0604020202020204" pitchFamily="34" charset="0"/>
+                <a:cs typeface="Arial" panose="020B0604020202020204" pitchFamily="34" charset="0"/>
+              </a:rPr>
+              <a:t>Logarithmic functions</a:t>
+            </a:r>
+            <a:r>
+              <a:rPr lang="en-US" altLang="ko-KR" sz="1200" dirty="0">
+                <a:latin typeface="Arial" panose="020B0604020202020204" pitchFamily="34" charset="0"/>
+                <a:cs typeface="Arial" panose="020B0604020202020204" pitchFamily="34" charset="0"/>
+              </a:rPr>
+              <a:t> to the models whose R^2 are </a:t>
+            </a:r>
+            <a:r>
+              <a:rPr lang="en-US" altLang="ko-KR" sz="1200" dirty="0">
+                <a:solidFill>
+                  <a:srgbClr val="FF0000"/>
+                </a:solidFill>
+                <a:latin typeface="Arial" panose="020B0604020202020204" pitchFamily="34" charset="0"/>
+                <a:cs typeface="Arial" panose="020B0604020202020204" pitchFamily="34" charset="0"/>
+              </a:rPr>
+              <a:t>between 0.85 and 0.95</a:t>
+            </a:r>
+            <a:r>
+              <a:rPr lang="en-US" altLang="ko-KR" sz="1200" dirty="0">
+                <a:latin typeface="Arial" panose="020B0604020202020204" pitchFamily="34" charset="0"/>
+                <a:cs typeface="Arial" panose="020B0604020202020204" pitchFamily="34" charset="0"/>
+              </a:rPr>
+              <a:t> in the Quadratic Correlation results </a:t>
+            </a:r>
+            <a:r>
+              <a:rPr lang="en-US" altLang="ko-KR" sz="1000" dirty="0">
+                <a:solidFill>
+                  <a:schemeClr val="tx1">
+                    <a:lumMod val="50000"/>
+                    <a:lumOff val="50000"/>
+                  </a:schemeClr>
+                </a:solidFill>
+                <a:latin typeface="Arial" panose="020B0604020202020204" pitchFamily="34" charset="0"/>
+                <a:cs typeface="Arial" panose="020B0604020202020204" pitchFamily="34" charset="0"/>
+              </a:rPr>
+              <a:t>(Using </a:t>
+            </a:r>
+            <a:r>
+              <a:rPr lang="en-US" altLang="ko-KR" sz="1000" dirty="0" err="1">
+                <a:solidFill>
+                  <a:schemeClr val="tx1">
+                    <a:lumMod val="50000"/>
+                    <a:lumOff val="50000"/>
+                  </a:schemeClr>
+                </a:solidFill>
+                <a:latin typeface="Arial" panose="020B0604020202020204" pitchFamily="34" charset="0"/>
+                <a:cs typeface="Arial" panose="020B0604020202020204" pitchFamily="34" charset="0"/>
+              </a:rPr>
+              <a:t>curve_fit</a:t>
+            </a:r>
+            <a:r>
+              <a:rPr lang="en-US" altLang="ko-KR" sz="1000" dirty="0">
+                <a:solidFill>
+                  <a:schemeClr val="tx1">
+                    <a:lumMod val="50000"/>
+                    <a:lumOff val="50000"/>
+                  </a:schemeClr>
+                </a:solidFill>
+                <a:latin typeface="Arial" panose="020B0604020202020204" pitchFamily="34" charset="0"/>
+                <a:cs typeface="Arial" panose="020B0604020202020204" pitchFamily="34" charset="0"/>
+              </a:rPr>
+              <a:t> from </a:t>
+            </a:r>
+            <a:r>
+              <a:rPr lang="en-US" altLang="ko-KR" sz="1000" dirty="0" err="1">
+                <a:solidFill>
+                  <a:schemeClr val="tx1">
+                    <a:lumMod val="50000"/>
+                    <a:lumOff val="50000"/>
+                  </a:schemeClr>
+                </a:solidFill>
+                <a:latin typeface="Arial" panose="020B0604020202020204" pitchFamily="34" charset="0"/>
+                <a:cs typeface="Arial" panose="020B0604020202020204" pitchFamily="34" charset="0"/>
+              </a:rPr>
+              <a:t>Scipy</a:t>
+            </a:r>
+            <a:r>
+              <a:rPr lang="en-US" altLang="ko-KR" sz="1000" dirty="0">
+                <a:solidFill>
+                  <a:schemeClr val="tx1">
+                    <a:lumMod val="50000"/>
+                    <a:lumOff val="50000"/>
+                  </a:schemeClr>
+                </a:solidFill>
+                <a:latin typeface="Arial" panose="020B0604020202020204" pitchFamily="34" charset="0"/>
+                <a:cs typeface="Arial" panose="020B0604020202020204" pitchFamily="34" charset="0"/>
+              </a:rPr>
+              <a:t>)</a:t>
+            </a:r>
+          </a:p>
+          <a:p>
+            <a:pPr marL="342900" indent="-342900">
+              <a:buFont typeface="+mj-lt"/>
+              <a:buAutoNum type="arabicPeriod"/>
+            </a:pPr>
+            <a:endParaRPr lang="en-US" altLang="ko-KR" sz="1200" dirty="0">
               <a:latin typeface="Arial" panose="020B0604020202020204" pitchFamily="34" charset="0"/>
               <a:cs typeface="Arial" panose="020B0604020202020204" pitchFamily="34" charset="0"/>
             </a:endParaRPr>
+          </a:p>
+          <a:p>
+            <a:pPr marL="342900" indent="-342900">
+              <a:buFont typeface="+mj-lt"/>
+              <a:buAutoNum type="arabicPeriod"/>
+            </a:pPr>
+            <a:r>
+              <a:rPr lang="en-US" altLang="ko-KR" sz="1200" dirty="0">
+                <a:latin typeface="Arial" panose="020B0604020202020204" pitchFamily="34" charset="0"/>
+                <a:cs typeface="Arial" panose="020B0604020202020204" pitchFamily="34" charset="0"/>
+              </a:rPr>
+              <a:t>Decide proper functions comparing the complexity of formulas, R^2, MAE (Mean Absolute Error) and RMSE (Root Mean Square Error)</a:t>
+            </a:r>
+          </a:p>
+          <a:p>
+            <a:pPr marL="342900" indent="-342900">
+              <a:buFont typeface="+mj-lt"/>
+              <a:buAutoNum type="arabicPeriod"/>
+            </a:pPr>
+            <a:endParaRPr lang="en-US" altLang="ko-KR" sz="1200" dirty="0">
+              <a:latin typeface="Arial" panose="020B0604020202020204" pitchFamily="34" charset="0"/>
+              <a:cs typeface="Arial" panose="020B0604020202020204" pitchFamily="34" charset="0"/>
+            </a:endParaRPr>
+          </a:p>
+          <a:p>
+            <a:pPr marL="342900" indent="-342900">
+              <a:buFont typeface="+mj-lt"/>
+              <a:buAutoNum type="arabicPeriod"/>
+            </a:pPr>
+            <a:r>
+              <a:rPr lang="en-US" altLang="ko-KR" sz="1200" dirty="0">
+                <a:latin typeface="Arial" panose="020B0604020202020204" pitchFamily="34" charset="0"/>
+                <a:cs typeface="Arial" panose="020B0604020202020204" pitchFamily="34" charset="0"/>
+              </a:rPr>
+              <a:t>Try Multiple Regression to find out the correlation between properties</a:t>
+            </a:r>
           </a:p>
         </p:txBody>
       </p:sp>
@@ -6760,6 +6935,96 @@
     <p:extLst>
       <p:ext uri="{BB962C8B-B14F-4D97-AF65-F5344CB8AC3E}">
         <p14:creationId xmlns:p14="http://schemas.microsoft.com/office/powerpoint/2010/main" val="160373610"/>
+      </p:ext>
+    </p:extLst>
+  </p:cSld>
+  <p:clrMapOvr>
+    <a:masterClrMapping/>
+  </p:clrMapOvr>
+</p:sld>
+</file>
+
+<file path=ppt/slides/slide3.xml><?xml version="1.0" encoding="utf-8"?>
+<p:sld xmlns:a="http://schemas.openxmlformats.org/drawingml/2006/main" xmlns:r="http://schemas.openxmlformats.org/officeDocument/2006/relationships" xmlns:p="http://schemas.openxmlformats.org/presentationml/2006/main">
+  <p:cSld>
+    <p:spTree>
+      <p:nvGrpSpPr>
+        <p:cNvPr id="1" name=""/>
+        <p:cNvGrpSpPr/>
+        <p:nvPr/>
+      </p:nvGrpSpPr>
+      <p:grpSpPr>
+        <a:xfrm>
+          <a:off x="0" y="0"/>
+          <a:ext cx="0" cy="0"/>
+          <a:chOff x="0" y="0"/>
+          <a:chExt cx="0" cy="0"/>
+        </a:xfrm>
+      </p:grpSpPr>
+      <p:pic>
+        <p:nvPicPr>
+          <p:cNvPr id="13" name="그림 12" descr="텍스트, 스크린샷, 그래프, 도표이(가) 표시된 사진&#10;&#10;자동 생성된 설명">
+            <a:extLst>
+              <a:ext uri="{FF2B5EF4-FFF2-40B4-BE49-F238E27FC236}">
+                <a16:creationId xmlns:a16="http://schemas.microsoft.com/office/drawing/2014/main" id="{C1D6989F-5791-558F-45B3-755AF9633FD3}"/>
+              </a:ext>
+            </a:extLst>
+          </p:cNvPr>
+          <p:cNvPicPr>
+            <a:picLocks noChangeAspect="1"/>
+          </p:cNvPicPr>
+          <p:nvPr/>
+        </p:nvPicPr>
+        <p:blipFill>
+          <a:blip r:embed="rId2"/>
+          <a:stretch>
+            <a:fillRect/>
+          </a:stretch>
+        </p:blipFill>
+        <p:spPr>
+          <a:xfrm>
+            <a:off x="243828" y="1234433"/>
+            <a:ext cx="5852172" cy="4389129"/>
+          </a:xfrm>
+          <a:prstGeom prst="rect">
+            <a:avLst/>
+          </a:prstGeom>
+        </p:spPr>
+      </p:pic>
+      <p:pic>
+        <p:nvPicPr>
+          <p:cNvPr id="17" name="그림 16" descr="텍스트, 스크린샷, 그래프, 도표이(가) 표시된 사진&#10;&#10;자동 생성된 설명">
+            <a:extLst>
+              <a:ext uri="{FF2B5EF4-FFF2-40B4-BE49-F238E27FC236}">
+                <a16:creationId xmlns:a16="http://schemas.microsoft.com/office/drawing/2014/main" id="{DBAD4784-C090-6256-3F09-A7072F50C0BD}"/>
+              </a:ext>
+            </a:extLst>
+          </p:cNvPr>
+          <p:cNvPicPr>
+            <a:picLocks noChangeAspect="1"/>
+          </p:cNvPicPr>
+          <p:nvPr/>
+        </p:nvPicPr>
+        <p:blipFill>
+          <a:blip r:embed="rId3"/>
+          <a:stretch>
+            <a:fillRect/>
+          </a:stretch>
+        </p:blipFill>
+        <p:spPr>
+          <a:xfrm>
+            <a:off x="6096000" y="1234433"/>
+            <a:ext cx="5852172" cy="4389129"/>
+          </a:xfrm>
+          <a:prstGeom prst="rect">
+            <a:avLst/>
+          </a:prstGeom>
+        </p:spPr>
+      </p:pic>
+    </p:spTree>
+    <p:extLst>
+      <p:ext uri="{BB962C8B-B14F-4D97-AF65-F5344CB8AC3E}">
+        <p14:creationId xmlns:p14="http://schemas.microsoft.com/office/powerpoint/2010/main" val="4065775210"/>
       </p:ext>
     </p:extLst>
   </p:cSld>

--- a/presentation/240718.pptx
+++ b/presentation/240718.pptx
@@ -4552,7 +4552,7 @@
           </a:ln>
           <a:extLst>
             <a:ext uri="{C572A759-6A51-4108-AA02-DFA0A04FC94B}">
-              <ma14:wrappingTextBoxFlag xmlns="" xmlns:m="http://schemas.openxmlformats.org/officeDocument/2006/math" xmlns:a14="http://schemas.microsoft.com/office/drawing/2010/main" xmlns:ma14="http://schemas.microsoft.com/office/mac/drawingml/2011/main" val="1"/>
+              <ma14:wrappingTextBoxFlag xmlns:ma14="http://schemas.microsoft.com/office/mac/drawingml/2011/main" xmlns:a14="http://schemas.microsoft.com/office/drawing/2010/main" xmlns:m="http://schemas.openxmlformats.org/officeDocument/2006/math" xmlns="" val="1"/>
             </a:ext>
           </a:extLst>
         </p:spPr>
@@ -6903,7 +6903,7 @@
                 <a:latin typeface="Arial" panose="020B0604020202020204" pitchFamily="34" charset="0"/>
                 <a:cs typeface="Arial" panose="020B0604020202020204" pitchFamily="34" charset="0"/>
               </a:rPr>
-              <a:t>Decide proper functions comparing the complexity of formulas, R^2, MAE (Mean Absolute Error) and RMSE (Root Mean Square Error)</a:t>
+              <a:t>Decide proper models comparing the complexity of formulas, R^2, MAE (Mean Absolute Error) and RMSE (Root Mean Square Error)</a:t>
             </a:r>
           </a:p>
           <a:p>

--- a/presentation/240718.pptx
+++ b/presentation/240718.pptx
@@ -4714,7 +4714,7 @@
                 <a:cs typeface="Arial" panose="020B0604020202020204" pitchFamily="34" charset="0"/>
                 <a:sym typeface="Muli Black"/>
               </a:rPr>
-              <a:t>   Finding the correlation between properties</a:t>
+              <a:t>   Finding the symbolic correlation between properties</a:t>
             </a:r>
           </a:p>
         </p:txBody>
